--- a/CS6382 Algorithm Analysis and Game Theory/课堂笔记.pptx
+++ b/CS6382 Algorithm Analysis and Game Theory/课堂笔记.pptx
@@ -6,6 +6,10 @@
   </p:sldMasterIdLst>
   <p:sldIdLst>
     <p:sldId id="256" r:id="rId2"/>
+    <p:sldId id="257" r:id="rId3"/>
+    <p:sldId id="258" r:id="rId4"/>
+    <p:sldId id="260" r:id="rId5"/>
+    <p:sldId id="259" r:id="rId6"/>
   </p:sldIdLst>
   <p:sldSz cx="12192000" cy="6858000"/>
   <p:notesSz cx="6858000" cy="9144000"/>
@@ -104,6 +108,28 @@
       </a:defRPr>
     </a:lvl9pPr>
   </p:defaultTextStyle>
+  <p:extLst>
+    <p:ext uri="{521415D9-36F7-43E2-AB2F-B90AF26B5E84}">
+      <p14:sectionLst xmlns:p14="http://schemas.microsoft.com/office/powerpoint/2010/main">
+        <p14:section name="默认节" id="{45103FDE-5560-4D45-9901-6F1CD83A0E95}">
+          <p14:sldIdLst>
+            <p14:sldId id="256"/>
+          </p14:sldIdLst>
+        </p14:section>
+        <p14:section name="W4Lec3" id="{8CC4DE57-AA4C-4696-AFE8-97D2F04BBEC2}">
+          <p14:sldIdLst>
+            <p14:sldId id="257"/>
+            <p14:sldId id="258"/>
+            <p14:sldId id="260"/>
+            <p14:sldId id="259"/>
+          </p14:sldIdLst>
+        </p14:section>
+      </p14:sectionLst>
+    </p:ext>
+    <p:ext uri="{EFAFB233-063F-42B5-8137-9DF3F51BA10A}">
+      <p15:sldGuideLst xmlns:p15="http://schemas.microsoft.com/office/powerpoint/2012/main"/>
+    </p:ext>
+  </p:extLst>
 </p:presentation>
 </file>
 
@@ -254,7 +280,7 @@
           <a:p>
             <a:fld id="{E8AB7821-1964-4858-81D7-5989802EDB19}" type="datetimeFigureOut">
               <a:rPr lang="zh-CN" altLang="en-US" smtClean="0"/>
-              <a:t>2024/9/6</a:t>
+              <a:t>2024/9/23</a:t>
             </a:fld>
             <a:endParaRPr lang="zh-CN" altLang="en-US"/>
           </a:p>
@@ -452,7 +478,7 @@
           <a:p>
             <a:fld id="{E8AB7821-1964-4858-81D7-5989802EDB19}" type="datetimeFigureOut">
               <a:rPr lang="zh-CN" altLang="en-US" smtClean="0"/>
-              <a:t>2024/9/6</a:t>
+              <a:t>2024/9/23</a:t>
             </a:fld>
             <a:endParaRPr lang="zh-CN" altLang="en-US"/>
           </a:p>
@@ -660,7 +686,7 @@
           <a:p>
             <a:fld id="{E8AB7821-1964-4858-81D7-5989802EDB19}" type="datetimeFigureOut">
               <a:rPr lang="zh-CN" altLang="en-US" smtClean="0"/>
-              <a:t>2024/9/6</a:t>
+              <a:t>2024/9/23</a:t>
             </a:fld>
             <a:endParaRPr lang="zh-CN" altLang="en-US"/>
           </a:p>
@@ -858,7 +884,7 @@
           <a:p>
             <a:fld id="{E8AB7821-1964-4858-81D7-5989802EDB19}" type="datetimeFigureOut">
               <a:rPr lang="zh-CN" altLang="en-US" smtClean="0"/>
-              <a:t>2024/9/6</a:t>
+              <a:t>2024/9/23</a:t>
             </a:fld>
             <a:endParaRPr lang="zh-CN" altLang="en-US"/>
           </a:p>
@@ -1133,7 +1159,7 @@
           <a:p>
             <a:fld id="{E8AB7821-1964-4858-81D7-5989802EDB19}" type="datetimeFigureOut">
               <a:rPr lang="zh-CN" altLang="en-US" smtClean="0"/>
-              <a:t>2024/9/6</a:t>
+              <a:t>2024/9/23</a:t>
             </a:fld>
             <a:endParaRPr lang="zh-CN" altLang="en-US"/>
           </a:p>
@@ -1398,7 +1424,7 @@
           <a:p>
             <a:fld id="{E8AB7821-1964-4858-81D7-5989802EDB19}" type="datetimeFigureOut">
               <a:rPr lang="zh-CN" altLang="en-US" smtClean="0"/>
-              <a:t>2024/9/6</a:t>
+              <a:t>2024/9/23</a:t>
             </a:fld>
             <a:endParaRPr lang="zh-CN" altLang="en-US"/>
           </a:p>
@@ -1810,7 +1836,7 @@
           <a:p>
             <a:fld id="{E8AB7821-1964-4858-81D7-5989802EDB19}" type="datetimeFigureOut">
               <a:rPr lang="zh-CN" altLang="en-US" smtClean="0"/>
-              <a:t>2024/9/6</a:t>
+              <a:t>2024/9/23</a:t>
             </a:fld>
             <a:endParaRPr lang="zh-CN" altLang="en-US"/>
           </a:p>
@@ -1951,7 +1977,7 @@
           <a:p>
             <a:fld id="{E8AB7821-1964-4858-81D7-5989802EDB19}" type="datetimeFigureOut">
               <a:rPr lang="zh-CN" altLang="en-US" smtClean="0"/>
-              <a:t>2024/9/6</a:t>
+              <a:t>2024/9/23</a:t>
             </a:fld>
             <a:endParaRPr lang="zh-CN" altLang="en-US"/>
           </a:p>
@@ -2064,7 +2090,7 @@
           <a:p>
             <a:fld id="{E8AB7821-1964-4858-81D7-5989802EDB19}" type="datetimeFigureOut">
               <a:rPr lang="zh-CN" altLang="en-US" smtClean="0"/>
-              <a:t>2024/9/6</a:t>
+              <a:t>2024/9/23</a:t>
             </a:fld>
             <a:endParaRPr lang="zh-CN" altLang="en-US"/>
           </a:p>
@@ -2375,7 +2401,7 @@
           <a:p>
             <a:fld id="{E8AB7821-1964-4858-81D7-5989802EDB19}" type="datetimeFigureOut">
               <a:rPr lang="zh-CN" altLang="en-US" smtClean="0"/>
-              <a:t>2024/9/6</a:t>
+              <a:t>2024/9/23</a:t>
             </a:fld>
             <a:endParaRPr lang="zh-CN" altLang="en-US"/>
           </a:p>
@@ -2663,7 +2689,7 @@
           <a:p>
             <a:fld id="{E8AB7821-1964-4858-81D7-5989802EDB19}" type="datetimeFigureOut">
               <a:rPr lang="zh-CN" altLang="en-US" smtClean="0"/>
-              <a:t>2024/9/6</a:t>
+              <a:t>2024/9/23</a:t>
             </a:fld>
             <a:endParaRPr lang="zh-CN" altLang="en-US"/>
           </a:p>
@@ -2904,7 +2930,7 @@
           <a:p>
             <a:fld id="{E8AB7821-1964-4858-81D7-5989802EDB19}" type="datetimeFigureOut">
               <a:rPr lang="zh-CN" altLang="en-US" smtClean="0"/>
-              <a:t>2024/9/6</a:t>
+              <a:t>2024/9/23</a:t>
             </a:fld>
             <a:endParaRPr lang="zh-CN" altLang="en-US"/>
           </a:p>
@@ -3446,6 +3472,1168 @@
 </p:sld>
 </file>
 
+<file path=ppt/slides/slide2.xml><?xml version="1.0" encoding="utf-8"?>
+<p:sld xmlns:a="http://schemas.openxmlformats.org/drawingml/2006/main" xmlns:r="http://schemas.openxmlformats.org/officeDocument/2006/relationships" xmlns:p="http://schemas.openxmlformats.org/presentationml/2006/main">
+  <p:cSld>
+    <p:spTree>
+      <p:nvGrpSpPr>
+        <p:cNvPr id="1" name=""/>
+        <p:cNvGrpSpPr/>
+        <p:nvPr/>
+      </p:nvGrpSpPr>
+      <p:grpSpPr>
+        <a:xfrm>
+          <a:off x="0" y="0"/>
+          <a:ext cx="0" cy="0"/>
+          <a:chOff x="0" y="0"/>
+          <a:chExt cx="0" cy="0"/>
+        </a:xfrm>
+      </p:grpSpPr>
+      <p:sp>
+        <p:nvSpPr>
+          <p:cNvPr id="2" name="标题 1">
+            <a:extLst>
+              <a:ext uri="{FF2B5EF4-FFF2-40B4-BE49-F238E27FC236}">
+                <a16:creationId xmlns:a16="http://schemas.microsoft.com/office/drawing/2014/main" id="{F400CA3D-3B43-6638-B5D6-00990B4C3831}"/>
+              </a:ext>
+            </a:extLst>
+          </p:cNvPr>
+          <p:cNvSpPr>
+            <a:spLocks noGrp="1"/>
+          </p:cNvSpPr>
+          <p:nvPr>
+            <p:ph type="title"/>
+          </p:nvPr>
+        </p:nvSpPr>
+        <p:spPr/>
+        <p:txBody>
+          <a:bodyPr/>
+          <a:lstStyle/>
+          <a:p>
+            <a:r>
+              <a:rPr lang="en-US" altLang="zh-CN" sz="4400" b="1" dirty="0"/>
+              <a:t>Online Algorithms</a:t>
+            </a:r>
+            <a:endParaRPr lang="zh-CN" altLang="en-US" dirty="0"/>
+          </a:p>
+        </p:txBody>
+      </p:sp>
+      <p:sp>
+        <p:nvSpPr>
+          <p:cNvPr id="3" name="内容占位符 2">
+            <a:extLst>
+              <a:ext uri="{FF2B5EF4-FFF2-40B4-BE49-F238E27FC236}">
+                <a16:creationId xmlns:a16="http://schemas.microsoft.com/office/drawing/2014/main" id="{B85CCB2A-433D-29F7-EFA0-C2A3E97E0424}"/>
+              </a:ext>
+            </a:extLst>
+          </p:cNvPr>
+          <p:cNvSpPr>
+            <a:spLocks noGrp="1"/>
+          </p:cNvSpPr>
+          <p:nvPr>
+            <p:ph idx="1"/>
+          </p:nvPr>
+        </p:nvSpPr>
+        <p:spPr/>
+        <p:txBody>
+          <a:bodyPr/>
+          <a:lstStyle/>
+          <a:p>
+            <a:r>
+              <a:rPr lang="en-US" altLang="zh-CN" dirty="0"/>
+              <a:t>1</a:t>
+            </a:r>
+            <a:r>
+              <a:rPr lang="zh-CN" altLang="en-US" dirty="0"/>
+              <a:t>、</a:t>
+            </a:r>
+            <a:r>
+              <a:rPr lang="en-US" altLang="zh-CN" dirty="0"/>
+              <a:t>Ski-rent-problem</a:t>
+            </a:r>
+          </a:p>
+          <a:p>
+            <a:pPr lvl="1"/>
+            <a:r>
+              <a:rPr lang="en-US" altLang="zh-CN" dirty="0"/>
+              <a:t>Offline optimal solution</a:t>
+            </a:r>
+          </a:p>
+          <a:p>
+            <a:pPr lvl="1"/>
+            <a:r>
+              <a:rPr lang="zh-CN" altLang="en-US" dirty="0"/>
+              <a:t>第八页最重要。</a:t>
+            </a:r>
+            <a:r>
+              <a:rPr lang="en-US" altLang="zh-CN" dirty="0" err="1"/>
+              <a:t>Comp.ratio</a:t>
+            </a:r>
+            <a:r>
+              <a:rPr lang="en-US" altLang="zh-CN" dirty="0"/>
+              <a:t>=ALG(I)/OPT(I)</a:t>
+            </a:r>
+          </a:p>
+          <a:p>
+            <a:pPr lvl="2"/>
+            <a:r>
+              <a:rPr lang="zh-CN" altLang="en-US" dirty="0"/>
+              <a:t>一个是</a:t>
+            </a:r>
+            <a:r>
+              <a:rPr lang="en-US" altLang="zh-CN" dirty="0"/>
+              <a:t>ALG</a:t>
+            </a:r>
+            <a:r>
+              <a:rPr lang="zh-CN" altLang="en-US" dirty="0"/>
+              <a:t>不是不变的</a:t>
+            </a:r>
+            <a:r>
+              <a:rPr lang="en-US" altLang="zh-CN" dirty="0"/>
+              <a:t>M</a:t>
+            </a:r>
+            <a:r>
+              <a:rPr lang="zh-CN" altLang="en-US" dirty="0"/>
+              <a:t>，而是</a:t>
+            </a:r>
+            <a:r>
+              <a:rPr lang="en-US" altLang="zh-CN" dirty="0"/>
+              <a:t>M+OPT</a:t>
+            </a:r>
+            <a:r>
+              <a:rPr lang="zh-CN" altLang="en-US" dirty="0"/>
+              <a:t>（</a:t>
+            </a:r>
+            <a:r>
+              <a:rPr lang="en-US" altLang="zh-CN" dirty="0"/>
+              <a:t>I</a:t>
+            </a:r>
+            <a:r>
+              <a:rPr lang="zh-CN" altLang="en-US" dirty="0"/>
+              <a:t>）</a:t>
+            </a:r>
+            <a:endParaRPr lang="en-US" altLang="zh-CN" dirty="0"/>
+          </a:p>
+          <a:p>
+            <a:pPr lvl="2"/>
+            <a:r>
+              <a:rPr lang="zh-CN" altLang="en-US" dirty="0"/>
+              <a:t>另一个是：这是个凸函数，一旦遇到</a:t>
+            </a:r>
+            <a:r>
+              <a:rPr lang="en-US" altLang="zh-CN" dirty="0" err="1"/>
+              <a:t>comp.ratio</a:t>
+            </a:r>
+            <a:r>
+              <a:rPr lang="zh-CN" altLang="en-US" dirty="0"/>
+              <a:t>从</a:t>
+            </a:r>
+            <a:r>
+              <a:rPr lang="en-US" altLang="zh-CN" dirty="0"/>
+              <a:t>2--1.5--2</a:t>
+            </a:r>
+            <a:r>
+              <a:rPr lang="zh-CN" altLang="en-US" dirty="0"/>
+              <a:t>那就说明已经有最小值</a:t>
+            </a:r>
+            <a:r>
+              <a:rPr lang="en-US" altLang="zh-CN" dirty="0"/>
+              <a:t>1.5</a:t>
+            </a:r>
+            <a:r>
+              <a:rPr lang="zh-CN" altLang="en-US" dirty="0"/>
+              <a:t>了，于是停止</a:t>
+            </a:r>
+            <a:endParaRPr lang="en-US" altLang="zh-CN" dirty="0"/>
+          </a:p>
+          <a:p>
+            <a:pPr lvl="1"/>
+            <a:r>
+              <a:rPr lang="zh-CN" altLang="en-US" dirty="0"/>
+              <a:t>先举例子，在第</a:t>
+            </a:r>
+            <a:r>
+              <a:rPr lang="en-US" altLang="zh-CN" dirty="0"/>
+              <a:t>M+1</a:t>
+            </a:r>
+            <a:r>
+              <a:rPr lang="zh-CN" altLang="en-US" dirty="0"/>
+              <a:t>天早上买</a:t>
+            </a:r>
+            <a:r>
+              <a:rPr lang="en-US" altLang="zh-CN" dirty="0"/>
+              <a:t>ski</a:t>
+            </a:r>
+            <a:r>
+              <a:rPr lang="zh-CN" altLang="en-US" dirty="0"/>
+              <a:t>，那么</a:t>
+            </a:r>
+            <a:r>
+              <a:rPr lang="en-US" altLang="zh-CN" dirty="0" err="1"/>
+              <a:t>comp.ratio</a:t>
+            </a:r>
+            <a:r>
+              <a:rPr lang="en-US" altLang="zh-CN" dirty="0"/>
+              <a:t>&lt;=2</a:t>
+            </a:r>
+            <a:r>
+              <a:rPr lang="zh-CN" altLang="en-US" dirty="0"/>
+              <a:t>，是为</a:t>
+            </a:r>
+            <a:r>
+              <a:rPr lang="en-US" altLang="zh-CN" dirty="0"/>
+              <a:t>2-competitive</a:t>
+            </a:r>
+          </a:p>
+          <a:p>
+            <a:pPr lvl="1"/>
+            <a:r>
+              <a:rPr lang="zh-CN" altLang="en-US" dirty="0">
+                <a:highlight>
+                  <a:srgbClr val="FF0000"/>
+                </a:highlight>
+              </a:rPr>
+              <a:t>第十二页</a:t>
+            </a:r>
+            <a:r>
+              <a:rPr lang="zh-CN" altLang="en-US" dirty="0"/>
+              <a:t>很容易搞糊涂：他是基于上面</a:t>
+            </a:r>
+            <a:r>
+              <a:rPr lang="en-US" altLang="zh-CN" dirty="0"/>
+              <a:t>2-competitive</a:t>
+            </a:r>
+            <a:r>
+              <a:rPr lang="zh-CN" altLang="en-US" dirty="0"/>
+              <a:t>，假设我在第</a:t>
+            </a:r>
+            <a:r>
+              <a:rPr lang="en-US" altLang="zh-CN" dirty="0"/>
+              <a:t>X+1</a:t>
+            </a:r>
+            <a:r>
+              <a:rPr lang="zh-CN" altLang="en-US" dirty="0"/>
+              <a:t>天早上买，那么和上面相比我有两种，一种是比</a:t>
+            </a:r>
+            <a:r>
+              <a:rPr lang="en-US" altLang="zh-CN" dirty="0"/>
+              <a:t>M+1</a:t>
+            </a:r>
+            <a:r>
+              <a:rPr lang="zh-CN" altLang="en-US" dirty="0"/>
+              <a:t>天早，一个是比</a:t>
+            </a:r>
+            <a:r>
+              <a:rPr lang="en-US" altLang="zh-CN" dirty="0"/>
+              <a:t>M+1</a:t>
+            </a:r>
+            <a:r>
+              <a:rPr lang="zh-CN" altLang="en-US" dirty="0"/>
+              <a:t>天晚买，</a:t>
+            </a:r>
+            <a:r>
+              <a:rPr lang="en-US" altLang="zh-CN" dirty="0"/>
+              <a:t>——</a:t>
+            </a:r>
+            <a:r>
+              <a:rPr lang="zh-CN" altLang="en-US" dirty="0"/>
+              <a:t>然后计算</a:t>
+            </a:r>
+            <a:r>
+              <a:rPr lang="en-US" altLang="zh-CN" dirty="0" err="1"/>
+              <a:t>comp.ratio</a:t>
+            </a:r>
+            <a:r>
+              <a:rPr lang="zh-CN" altLang="en-US" dirty="0"/>
+              <a:t>时</a:t>
+            </a:r>
+            <a:r>
+              <a:rPr lang="zh-CN" altLang="en-US" b="1" dirty="0">
+                <a:solidFill>
+                  <a:srgbClr val="FF0000"/>
+                </a:solidFill>
+              </a:rPr>
+              <a:t>又要</a:t>
+            </a:r>
+            <a:r>
+              <a:rPr lang="zh-CN" altLang="en-US" dirty="0"/>
+              <a:t>算</a:t>
+            </a:r>
+            <a:r>
+              <a:rPr lang="en-US" altLang="zh-CN" dirty="0"/>
+              <a:t>T</a:t>
+            </a:r>
+            <a:r>
+              <a:rPr lang="zh-CN" altLang="en-US" dirty="0"/>
+              <a:t>和</a:t>
+            </a:r>
+            <a:r>
+              <a:rPr lang="en-US" altLang="zh-CN" dirty="0"/>
+              <a:t>M</a:t>
+            </a:r>
+            <a:r>
+              <a:rPr lang="zh-CN" altLang="en-US" dirty="0"/>
+              <a:t>的大小获得</a:t>
+            </a:r>
+            <a:r>
+              <a:rPr lang="en-US" altLang="zh-CN" dirty="0"/>
+              <a:t>2*2</a:t>
+            </a:r>
+            <a:r>
+              <a:rPr lang="zh-CN" altLang="en-US" dirty="0"/>
+              <a:t>个</a:t>
+            </a:r>
+            <a:r>
+              <a:rPr lang="en-US" altLang="zh-CN" dirty="0" err="1"/>
+              <a:t>comp.ratio</a:t>
+            </a:r>
+            <a:r>
+              <a:rPr lang="zh-CN" altLang="en-US" dirty="0"/>
+              <a:t>从而获得两个</a:t>
+            </a:r>
+            <a:r>
+              <a:rPr lang="en-US" altLang="zh-CN" dirty="0" err="1"/>
+              <a:t>Max.Comp.ratio</a:t>
+            </a:r>
+            <a:endParaRPr lang="zh-CN" altLang="en-US" dirty="0"/>
+          </a:p>
+        </p:txBody>
+      </p:sp>
+    </p:spTree>
+    <p:extLst>
+      <p:ext uri="{BB962C8B-B14F-4D97-AF65-F5344CB8AC3E}">
+        <p14:creationId xmlns:p14="http://schemas.microsoft.com/office/powerpoint/2010/main" val="1448553085"/>
+      </p:ext>
+    </p:extLst>
+  </p:cSld>
+  <p:clrMapOvr>
+    <a:masterClrMapping/>
+  </p:clrMapOvr>
+</p:sld>
+</file>
+
+<file path=ppt/slides/slide3.xml><?xml version="1.0" encoding="utf-8"?>
+<p:sld xmlns:a="http://schemas.openxmlformats.org/drawingml/2006/main" xmlns:r="http://schemas.openxmlformats.org/officeDocument/2006/relationships" xmlns:p="http://schemas.openxmlformats.org/presentationml/2006/main">
+  <p:cSld>
+    <p:spTree>
+      <p:nvGrpSpPr>
+        <p:cNvPr id="1" name=""/>
+        <p:cNvGrpSpPr/>
+        <p:nvPr/>
+      </p:nvGrpSpPr>
+      <p:grpSpPr>
+        <a:xfrm>
+          <a:off x="0" y="0"/>
+          <a:ext cx="0" cy="0"/>
+          <a:chOff x="0" y="0"/>
+          <a:chExt cx="0" cy="0"/>
+        </a:xfrm>
+      </p:grpSpPr>
+      <p:sp>
+        <p:nvSpPr>
+          <p:cNvPr id="2" name="标题 1">
+            <a:extLst>
+              <a:ext uri="{FF2B5EF4-FFF2-40B4-BE49-F238E27FC236}">
+                <a16:creationId xmlns:a16="http://schemas.microsoft.com/office/drawing/2014/main" id="{6D8F9ECF-3F6D-2E25-D59A-6B8BEEB56C73}"/>
+              </a:ext>
+            </a:extLst>
+          </p:cNvPr>
+          <p:cNvSpPr>
+            <a:spLocks noGrp="1"/>
+          </p:cNvSpPr>
+          <p:nvPr>
+            <p:ph type="title"/>
+          </p:nvPr>
+        </p:nvSpPr>
+        <p:spPr/>
+        <p:txBody>
+          <a:bodyPr/>
+          <a:lstStyle/>
+          <a:p>
+            <a:endParaRPr lang="zh-CN" altLang="en-US"/>
+          </a:p>
+        </p:txBody>
+      </p:sp>
+      <p:sp>
+        <p:nvSpPr>
+          <p:cNvPr id="3" name="内容占位符 2">
+            <a:extLst>
+              <a:ext uri="{FF2B5EF4-FFF2-40B4-BE49-F238E27FC236}">
+                <a16:creationId xmlns:a16="http://schemas.microsoft.com/office/drawing/2014/main" id="{D818D8FB-E13D-0D03-7BDA-E485AA5C9A84}"/>
+              </a:ext>
+            </a:extLst>
+          </p:cNvPr>
+          <p:cNvSpPr>
+            <a:spLocks noGrp="1"/>
+          </p:cNvSpPr>
+          <p:nvPr>
+            <p:ph idx="1"/>
+          </p:nvPr>
+        </p:nvSpPr>
+        <p:spPr/>
+        <p:txBody>
+          <a:bodyPr>
+            <a:normAutofit fontScale="85000" lnSpcReduction="20000"/>
+          </a:bodyPr>
+          <a:lstStyle/>
+          <a:p>
+            <a:r>
+              <a:rPr lang="en-US" altLang="zh-CN" sz="2800" b="1" dirty="0"/>
+              <a:t>P14</a:t>
+            </a:r>
+            <a:r>
+              <a:rPr lang="zh-CN" altLang="en-US" sz="2800" b="1" dirty="0"/>
+              <a:t>小结：</a:t>
+            </a:r>
+            <a:r>
+              <a:rPr lang="en-US" altLang="zh-CN" sz="2800" b="1" dirty="0"/>
+              <a:t>Online Algorithms:</a:t>
+            </a:r>
+            <a:r>
+              <a:rPr lang="en-HK" altLang="zh-CN" sz="2800" b="1" dirty="0"/>
+              <a:t>Optimization without knowing the input in advance</a:t>
+            </a:r>
+            <a:r>
+              <a:rPr lang="en-HK" altLang="zh-CN" sz="2800" dirty="0"/>
+              <a:t>.</a:t>
+            </a:r>
+          </a:p>
+          <a:p>
+            <a:pPr lvl="1"/>
+            <a:r>
+              <a:rPr lang="en-HK" altLang="zh-CN" dirty="0">
+                <a:solidFill>
+                  <a:srgbClr val="C00000"/>
+                </a:solidFill>
+              </a:rPr>
+              <a:t>approximation factor</a:t>
+            </a:r>
+            <a:r>
+              <a:rPr lang="en-HK" altLang="zh-CN" dirty="0"/>
+              <a:t>.  -</a:t>
+            </a:r>
+            <a:r>
+              <a:rPr lang="en-HK" altLang="zh-CN" dirty="0">
+                <a:sym typeface="Wingdings" panose="05000000000000000000" pitchFamily="2" charset="2"/>
+              </a:rPr>
+              <a:t></a:t>
+            </a:r>
+            <a:r>
+              <a:rPr lang="en-US" altLang="zh-CN" dirty="0">
+                <a:sym typeface="Wingdings" panose="05000000000000000000" pitchFamily="2" charset="2"/>
+              </a:rPr>
+              <a:t> competitive ratio</a:t>
+            </a:r>
+          </a:p>
+          <a:p>
+            <a:pPr lvl="1"/>
+            <a:r>
+              <a:rPr lang="en-HK" altLang="zh-CN" dirty="0">
+                <a:solidFill>
+                  <a:srgbClr val="C00000"/>
+                </a:solidFill>
+              </a:rPr>
+              <a:t>the closer they are to 1, the better the algorithm is</a:t>
+            </a:r>
+            <a:r>
+              <a:rPr lang="en-HK" altLang="zh-CN" dirty="0"/>
+              <a:t>.	</a:t>
+            </a:r>
+            <a:endParaRPr lang="en-US" altLang="zh-CN" dirty="0">
+              <a:sym typeface="Wingdings" panose="05000000000000000000" pitchFamily="2" charset="2"/>
+            </a:endParaRPr>
+          </a:p>
+          <a:p>
+            <a:pPr lvl="2"/>
+            <a:r>
+              <a:rPr lang="zh-CN" altLang="en-US" dirty="0">
+                <a:sym typeface="Wingdings" panose="05000000000000000000" pitchFamily="2" charset="2"/>
+              </a:rPr>
+              <a:t>那一直不买，</a:t>
+            </a:r>
+            <a:r>
+              <a:rPr lang="en-US" altLang="zh-CN" dirty="0">
+                <a:sym typeface="Wingdings" panose="05000000000000000000" pitchFamily="2" charset="2"/>
+              </a:rPr>
+              <a:t>M+T/T</a:t>
+            </a:r>
+            <a:r>
+              <a:rPr lang="zh-CN" altLang="en-US" dirty="0">
+                <a:sym typeface="Wingdings" panose="05000000000000000000" pitchFamily="2" charset="2"/>
+              </a:rPr>
+              <a:t>不是接近</a:t>
+            </a:r>
+            <a:r>
+              <a:rPr lang="en-US" altLang="zh-CN" dirty="0">
+                <a:sym typeface="Wingdings" panose="05000000000000000000" pitchFamily="2" charset="2"/>
+              </a:rPr>
+              <a:t>1</a:t>
+            </a:r>
+            <a:r>
+              <a:rPr lang="zh-CN" altLang="en-US" dirty="0">
+                <a:sym typeface="Wingdings" panose="05000000000000000000" pitchFamily="2" charset="2"/>
+              </a:rPr>
+              <a:t>么？？？</a:t>
+            </a:r>
+            <a:endParaRPr lang="en-US" altLang="zh-CN" dirty="0">
+              <a:sym typeface="Wingdings" panose="05000000000000000000" pitchFamily="2" charset="2"/>
+            </a:endParaRPr>
+          </a:p>
+          <a:p>
+            <a:r>
+              <a:rPr lang="en-HK" altLang="zh-CN" sz="2800" b="1" dirty="0"/>
+              <a:t>Online Bipartite Matching</a:t>
+            </a:r>
+            <a:r>
+              <a:rPr lang="zh-CN" altLang="en-US" sz="2800" b="1" dirty="0">
+                <a:sym typeface="Wingdings" panose="05000000000000000000" pitchFamily="2" charset="2"/>
+              </a:rPr>
+              <a:t>：</a:t>
+            </a:r>
+            <a:r>
+              <a:rPr lang="en-US" altLang="zh-CN" dirty="0">
+                <a:sym typeface="Wingdings" panose="05000000000000000000" pitchFamily="2" charset="2"/>
+              </a:rPr>
+              <a:t>P19</a:t>
+            </a:r>
+            <a:r>
+              <a:rPr lang="zh-CN" altLang="en-US" dirty="0">
+                <a:sym typeface="Wingdings" panose="05000000000000000000" pitchFamily="2" charset="2"/>
+              </a:rPr>
+              <a:t>用图的形式（而不是前面表的形式）讲了案例（</a:t>
+            </a:r>
+            <a:r>
+              <a:rPr lang="en-US" altLang="zh-CN" dirty="0">
+                <a:sym typeface="Wingdings" panose="05000000000000000000" pitchFamily="2" charset="2"/>
+              </a:rPr>
+              <a:t>Application-Job</a:t>
+            </a:r>
+            <a:r>
+              <a:rPr lang="zh-CN" altLang="en-US" dirty="0">
+                <a:sym typeface="Wingdings" panose="05000000000000000000" pitchFamily="2" charset="2"/>
+              </a:rPr>
+              <a:t>或者</a:t>
+            </a:r>
+            <a:r>
+              <a:rPr lang="en-US" altLang="zh-CN" dirty="0">
+                <a:sym typeface="Wingdings" panose="05000000000000000000" pitchFamily="2" charset="2"/>
+              </a:rPr>
+              <a:t>Click-Advertise</a:t>
+            </a:r>
+            <a:r>
+              <a:rPr lang="zh-CN" altLang="en-US" dirty="0">
+                <a:sym typeface="Wingdings" panose="05000000000000000000" pitchFamily="2" charset="2"/>
+              </a:rPr>
+              <a:t>）。</a:t>
+            </a:r>
+            <a:endParaRPr lang="en-US" altLang="zh-CN" dirty="0">
+              <a:sym typeface="Wingdings" panose="05000000000000000000" pitchFamily="2" charset="2"/>
+            </a:endParaRPr>
+          </a:p>
+          <a:p>
+            <a:pPr lvl="1"/>
+            <a:r>
+              <a:rPr lang="zh-CN" altLang="en-US" dirty="0">
+                <a:sym typeface="Wingdings" panose="05000000000000000000" pitchFamily="2" charset="2"/>
+              </a:rPr>
+              <a:t>他这里的</a:t>
+            </a:r>
+            <a:r>
+              <a:rPr lang="en-US" altLang="zh-CN" b="1" dirty="0">
+                <a:highlight>
+                  <a:srgbClr val="FFFF00"/>
+                </a:highlight>
+                <a:sym typeface="Wingdings" panose="05000000000000000000" pitchFamily="2" charset="2"/>
+              </a:rPr>
+              <a:t>ALG </a:t>
+            </a:r>
+            <a:r>
+              <a:rPr lang="zh-CN" altLang="en-US" b="1" dirty="0">
+                <a:highlight>
+                  <a:srgbClr val="FFFF00"/>
+                </a:highlight>
+                <a:sym typeface="Wingdings" panose="05000000000000000000" pitchFamily="2" charset="2"/>
+              </a:rPr>
+              <a:t>和 </a:t>
+            </a:r>
+            <a:r>
+              <a:rPr lang="en-US" altLang="zh-CN" b="1" dirty="0">
+                <a:highlight>
+                  <a:srgbClr val="FFFF00"/>
+                </a:highlight>
+                <a:sym typeface="Wingdings" panose="05000000000000000000" pitchFamily="2" charset="2"/>
+              </a:rPr>
+              <a:t>OPT</a:t>
+            </a:r>
+            <a:r>
+              <a:rPr lang="en-US" altLang="zh-CN" dirty="0">
+                <a:sym typeface="Wingdings" panose="05000000000000000000" pitchFamily="2" charset="2"/>
+              </a:rPr>
+              <a:t> </a:t>
+            </a:r>
+            <a:r>
+              <a:rPr lang="zh-CN" altLang="en-US" dirty="0">
+                <a:sym typeface="Wingdings" panose="05000000000000000000" pitchFamily="2" charset="2"/>
+              </a:rPr>
+              <a:t>也改变了</a:t>
+            </a:r>
+            <a:r>
+              <a:rPr lang="en-US" altLang="zh-CN" dirty="0">
+                <a:sym typeface="Wingdings" panose="05000000000000000000" pitchFamily="2" charset="2"/>
+              </a:rPr>
+              <a:t>——</a:t>
+            </a:r>
+            <a:r>
+              <a:rPr lang="zh-CN" altLang="en-US" dirty="0">
+                <a:sym typeface="Wingdings" panose="05000000000000000000" pitchFamily="2" charset="2"/>
+              </a:rPr>
+              <a:t>我恐怕还没有深刻理解 </a:t>
+            </a:r>
+            <a:r>
+              <a:rPr lang="en-US" altLang="zh-CN" dirty="0">
+                <a:sym typeface="Wingdings" panose="05000000000000000000" pitchFamily="2" charset="2"/>
+              </a:rPr>
+              <a:t>ALG </a:t>
+            </a:r>
+            <a:r>
+              <a:rPr lang="zh-CN" altLang="en-US" dirty="0">
+                <a:sym typeface="Wingdings" panose="05000000000000000000" pitchFamily="2" charset="2"/>
+              </a:rPr>
+              <a:t>、 </a:t>
+            </a:r>
+            <a:r>
+              <a:rPr lang="en-US" altLang="zh-CN" dirty="0">
+                <a:sym typeface="Wingdings" panose="05000000000000000000" pitchFamily="2" charset="2"/>
+              </a:rPr>
+              <a:t>OPT</a:t>
+            </a:r>
+            <a:r>
+              <a:rPr lang="zh-CN" altLang="en-US" dirty="0">
+                <a:sym typeface="Wingdings" panose="05000000000000000000" pitchFamily="2" charset="2"/>
+              </a:rPr>
+              <a:t>的本质！！！</a:t>
+            </a:r>
+            <a:r>
+              <a:rPr lang="en-US" altLang="zh-CN" dirty="0" err="1">
+                <a:sym typeface="Wingdings" panose="05000000000000000000" pitchFamily="2" charset="2"/>
+              </a:rPr>
+              <a:t>Okk</a:t>
+            </a:r>
+            <a:r>
+              <a:rPr lang="zh-CN" altLang="en-US" dirty="0">
+                <a:sym typeface="Wingdings" panose="05000000000000000000" pitchFamily="2" charset="2"/>
+              </a:rPr>
+              <a:t>问了聂圣和他搭子。这个</a:t>
+            </a:r>
+            <a:r>
+              <a:rPr lang="en-US" altLang="zh-CN" dirty="0">
+                <a:sym typeface="Wingdings" panose="05000000000000000000" pitchFamily="2" charset="2"/>
+              </a:rPr>
+              <a:t>ALG</a:t>
+            </a:r>
+            <a:r>
+              <a:rPr lang="zh-CN" altLang="en-US" dirty="0">
+                <a:sym typeface="Wingdings" panose="05000000000000000000" pitchFamily="2" charset="2"/>
+              </a:rPr>
+              <a:t>就是使用最差的匹配方式、</a:t>
+            </a:r>
+            <a:r>
+              <a:rPr lang="en-US" altLang="zh-CN" dirty="0">
+                <a:sym typeface="Wingdings" panose="05000000000000000000" pitchFamily="2" charset="2"/>
+              </a:rPr>
+              <a:t>OPT</a:t>
+            </a:r>
+            <a:r>
+              <a:rPr lang="zh-CN" altLang="en-US" dirty="0">
+                <a:sym typeface="Wingdings" panose="05000000000000000000" pitchFamily="2" charset="2"/>
+              </a:rPr>
+              <a:t>就是用最好的匹配方式（本案例中分别是</a:t>
+            </a:r>
+            <a:r>
+              <a:rPr lang="en-US" altLang="zh-CN" dirty="0">
+                <a:sym typeface="Wingdings" panose="05000000000000000000" pitchFamily="2" charset="2"/>
+              </a:rPr>
+              <a:t>3,6</a:t>
+            </a:r>
+            <a:r>
+              <a:rPr lang="zh-CN" altLang="en-US" dirty="0">
+                <a:sym typeface="Wingdings" panose="05000000000000000000" pitchFamily="2" charset="2"/>
+              </a:rPr>
+              <a:t>）（</a:t>
+            </a:r>
+            <a:r>
+              <a:rPr lang="zh-CN" altLang="en-US" b="0" i="0" dirty="0">
+                <a:solidFill>
+                  <a:srgbClr val="060607"/>
+                </a:solidFill>
+                <a:effectLst/>
+                <a:latin typeface="-apple-system"/>
+              </a:rPr>
+              <a:t>最优离线解决方案</a:t>
+            </a:r>
+            <a:r>
+              <a:rPr lang="zh-CN" altLang="en-US" dirty="0">
+                <a:sym typeface="Wingdings" panose="05000000000000000000" pitchFamily="2" charset="2"/>
+              </a:rPr>
+              <a:t>）所以这里的</a:t>
+            </a:r>
+            <a:r>
+              <a:rPr lang="en-US" altLang="zh-CN" dirty="0">
+                <a:sym typeface="Wingdings" panose="05000000000000000000" pitchFamily="2" charset="2"/>
+              </a:rPr>
+              <a:t>competitive ratio</a:t>
+            </a:r>
+            <a:r>
+              <a:rPr lang="zh-CN" altLang="en-US" dirty="0">
+                <a:sym typeface="Wingdings" panose="05000000000000000000" pitchFamily="2" charset="2"/>
+              </a:rPr>
+              <a:t>在此时达到最小，也是</a:t>
+            </a:r>
+            <a:r>
+              <a:rPr lang="en-US" altLang="zh-CN" dirty="0">
+                <a:sym typeface="Wingdings" panose="05000000000000000000" pitchFamily="2" charset="2"/>
+              </a:rPr>
+              <a:t>0.5</a:t>
+            </a:r>
+          </a:p>
+          <a:p>
+            <a:pPr lvl="1"/>
+            <a:r>
+              <a:rPr lang="zh-CN" altLang="en-US" dirty="0">
+                <a:sym typeface="Wingdings" panose="05000000000000000000" pitchFamily="2" charset="2"/>
+              </a:rPr>
+              <a:t>至于所谓</a:t>
+            </a:r>
+            <a:r>
+              <a:rPr lang="zh-CN" altLang="en-US" dirty="0">
+                <a:highlight>
+                  <a:srgbClr val="FFFF00"/>
+                </a:highlight>
+                <a:sym typeface="Wingdings" panose="05000000000000000000" pitchFamily="2" charset="2"/>
+              </a:rPr>
+              <a:t>贪心算法解</a:t>
+            </a:r>
+            <a:r>
+              <a:rPr lang="en-US" altLang="zh-CN" dirty="0">
+                <a:highlight>
+                  <a:srgbClr val="FFFF00"/>
+                </a:highlight>
+                <a:sym typeface="Wingdings" panose="05000000000000000000" pitchFamily="2" charset="2"/>
+              </a:rPr>
+              <a:t>Online Bipartite Matching</a:t>
+            </a:r>
+            <a:r>
+              <a:rPr lang="zh-CN" altLang="en-US" dirty="0">
+                <a:highlight>
+                  <a:srgbClr val="FFFF00"/>
+                </a:highlight>
+                <a:sym typeface="Wingdings" panose="05000000000000000000" pitchFamily="2" charset="2"/>
+              </a:rPr>
+              <a:t>问题</a:t>
+            </a:r>
+            <a:r>
+              <a:rPr lang="zh-CN" altLang="en-US" dirty="0">
+                <a:sym typeface="Wingdings" panose="05000000000000000000" pitchFamily="2" charset="2"/>
+              </a:rPr>
+              <a:t>，贪心算法是牵强附会的，指的是每进来一个</a:t>
+            </a:r>
+            <a:r>
+              <a:rPr lang="en-US" altLang="zh-CN" dirty="0">
+                <a:sym typeface="Wingdings" panose="05000000000000000000" pitchFamily="2" charset="2"/>
+              </a:rPr>
+              <a:t>u</a:t>
+            </a:r>
+            <a:r>
+              <a:rPr lang="zh-CN" altLang="en-US" dirty="0">
+                <a:sym typeface="Wingdings" panose="05000000000000000000" pitchFamily="2" charset="2"/>
+              </a:rPr>
+              <a:t>也就是</a:t>
+            </a:r>
+            <a:r>
+              <a:rPr lang="en-US" altLang="zh-CN" dirty="0">
+                <a:sym typeface="Wingdings" panose="05000000000000000000" pitchFamily="2" charset="2"/>
+              </a:rPr>
+              <a:t>application</a:t>
+            </a:r>
+            <a:r>
+              <a:rPr lang="zh-CN" altLang="en-US" dirty="0">
+                <a:sym typeface="Wingdings" panose="05000000000000000000" pitchFamily="2" charset="2"/>
+              </a:rPr>
+              <a:t>时都强行给他分配一个</a:t>
+            </a:r>
+            <a:r>
+              <a:rPr lang="en-US" altLang="zh-CN" dirty="0">
+                <a:sym typeface="Wingdings" panose="05000000000000000000" pitchFamily="2" charset="2"/>
+              </a:rPr>
+              <a:t>job</a:t>
+            </a:r>
+            <a:r>
+              <a:rPr lang="zh-CN" altLang="en-US" dirty="0">
+                <a:sym typeface="Wingdings" panose="05000000000000000000" pitchFamily="2" charset="2"/>
+              </a:rPr>
+              <a:t>，连上一根线，至于他如果选了多个怎么分，随机分，老师也说他觉得这个不太贪心算法。</a:t>
+            </a:r>
+            <a:endParaRPr lang="en-US" altLang="zh-CN" dirty="0">
+              <a:sym typeface="Wingdings" panose="05000000000000000000" pitchFamily="2" charset="2"/>
+            </a:endParaRPr>
+          </a:p>
+          <a:p>
+            <a:pPr lvl="2"/>
+            <a:r>
+              <a:rPr lang="en-US" altLang="zh-CN" dirty="0">
+                <a:sym typeface="Wingdings" panose="05000000000000000000" pitchFamily="2" charset="2"/>
+              </a:rPr>
+              <a:t>——</a:t>
+            </a:r>
+            <a:r>
+              <a:rPr lang="zh-CN" altLang="en-US" dirty="0">
+                <a:sym typeface="Wingdings" panose="05000000000000000000" pitchFamily="2" charset="2"/>
+              </a:rPr>
+              <a:t>问同学还是好很多很多啊，真的要多和计算机专业的人多交流多请教是最好的方式，因为很多问题是基于这个情景的，而同学是有相同的情景的。</a:t>
+            </a:r>
+            <a:endParaRPr lang="en-HK" altLang="zh-CN" dirty="0"/>
+          </a:p>
+          <a:p>
+            <a:endParaRPr lang="zh-CN" altLang="en-US" dirty="0"/>
+          </a:p>
+        </p:txBody>
+      </p:sp>
+    </p:spTree>
+    <p:extLst>
+      <p:ext uri="{BB962C8B-B14F-4D97-AF65-F5344CB8AC3E}">
+        <p14:creationId xmlns:p14="http://schemas.microsoft.com/office/powerpoint/2010/main" val="3333131859"/>
+      </p:ext>
+    </p:extLst>
+  </p:cSld>
+  <p:clrMapOvr>
+    <a:masterClrMapping/>
+  </p:clrMapOvr>
+</p:sld>
+</file>
+
+<file path=ppt/slides/slide4.xml><?xml version="1.0" encoding="utf-8"?>
+<p:sld xmlns:a="http://schemas.openxmlformats.org/drawingml/2006/main" xmlns:r="http://schemas.openxmlformats.org/officeDocument/2006/relationships" xmlns:p="http://schemas.openxmlformats.org/presentationml/2006/main">
+  <p:cSld>
+    <p:spTree>
+      <p:nvGrpSpPr>
+        <p:cNvPr id="1" name=""/>
+        <p:cNvGrpSpPr/>
+        <p:nvPr/>
+      </p:nvGrpSpPr>
+      <p:grpSpPr>
+        <a:xfrm>
+          <a:off x="0" y="0"/>
+          <a:ext cx="0" cy="0"/>
+          <a:chOff x="0" y="0"/>
+          <a:chExt cx="0" cy="0"/>
+        </a:xfrm>
+      </p:grpSpPr>
+      <p:sp>
+        <p:nvSpPr>
+          <p:cNvPr id="2" name="标题 1">
+            <a:extLst>
+              <a:ext uri="{FF2B5EF4-FFF2-40B4-BE49-F238E27FC236}">
+                <a16:creationId xmlns:a16="http://schemas.microsoft.com/office/drawing/2014/main" id="{C8FAF3BE-62B3-3A3F-64FE-9347004182BD}"/>
+              </a:ext>
+            </a:extLst>
+          </p:cNvPr>
+          <p:cNvSpPr>
+            <a:spLocks noGrp="1"/>
+          </p:cNvSpPr>
+          <p:nvPr>
+            <p:ph type="title"/>
+          </p:nvPr>
+        </p:nvSpPr>
+        <p:spPr/>
+        <p:txBody>
+          <a:bodyPr/>
+          <a:lstStyle/>
+          <a:p>
+            <a:endParaRPr lang="zh-CN" altLang="en-US"/>
+          </a:p>
+        </p:txBody>
+      </p:sp>
+      <p:sp>
+        <p:nvSpPr>
+          <p:cNvPr id="3" name="内容占位符 2">
+            <a:extLst>
+              <a:ext uri="{FF2B5EF4-FFF2-40B4-BE49-F238E27FC236}">
+                <a16:creationId xmlns:a16="http://schemas.microsoft.com/office/drawing/2014/main" id="{B1C80B21-51AF-34DB-B4E2-F54E6C4A8A1F}"/>
+              </a:ext>
+            </a:extLst>
+          </p:cNvPr>
+          <p:cNvSpPr>
+            <a:spLocks noGrp="1"/>
+          </p:cNvSpPr>
+          <p:nvPr>
+            <p:ph idx="1"/>
+          </p:nvPr>
+        </p:nvSpPr>
+        <p:spPr/>
+        <p:txBody>
+          <a:bodyPr/>
+          <a:lstStyle/>
+          <a:p>
+            <a:r>
+              <a:rPr lang="en-US" altLang="zh-CN" dirty="0"/>
+              <a:t>P20</a:t>
+            </a:r>
+            <a:r>
+              <a:rPr lang="zh-CN" altLang="en-US" dirty="0"/>
+              <a:t>那个 </a:t>
+            </a:r>
+            <a:r>
+              <a:rPr lang="en-US" altLang="zh-CN" dirty="0"/>
+              <a:t>at most 2 edges in OPT cannot be added</a:t>
+            </a:r>
+            <a:r>
+              <a:rPr lang="zh-CN" altLang="en-US" dirty="0"/>
+              <a:t>的意思，问</a:t>
+            </a:r>
+            <a:r>
+              <a:rPr lang="en-US" altLang="zh-CN" dirty="0" err="1"/>
+              <a:t>kimi</a:t>
+            </a:r>
+            <a:r>
+              <a:rPr lang="zh-CN" altLang="en-US" dirty="0"/>
+              <a:t>才晓得</a:t>
+            </a:r>
+            <a:r>
+              <a:rPr lang="en-US" altLang="zh-CN" dirty="0"/>
+              <a:t>——</a:t>
+            </a:r>
+            <a:r>
+              <a:rPr lang="zh-CN" altLang="en-US" dirty="0"/>
+              <a:t>意思是我这个</a:t>
+            </a:r>
+            <a:r>
+              <a:rPr lang="en-US" altLang="zh-CN" dirty="0"/>
+              <a:t>ALG</a:t>
+            </a:r>
+            <a:r>
+              <a:rPr lang="zh-CN" altLang="en-US" dirty="0"/>
+              <a:t>就是来捣乱的，不能让你按照</a:t>
+            </a:r>
+            <a:r>
+              <a:rPr lang="en-US" altLang="zh-CN" dirty="0"/>
+              <a:t>OPT</a:t>
+            </a:r>
+            <a:r>
+              <a:rPr lang="zh-CN" altLang="en-US" dirty="0"/>
+              <a:t>那样来，每次我连一组（</a:t>
+            </a:r>
+            <a:r>
+              <a:rPr lang="en-US" altLang="zh-CN" dirty="0"/>
+              <a:t>u1,v2</a:t>
+            </a:r>
+            <a:r>
+              <a:rPr lang="zh-CN" altLang="en-US" dirty="0"/>
+              <a:t>）时我就最多能破坏掉你</a:t>
+            </a:r>
+            <a:r>
+              <a:rPr lang="en-US" altLang="zh-CN" dirty="0"/>
+              <a:t>OPT</a:t>
+            </a:r>
+            <a:r>
+              <a:rPr lang="zh-CN" altLang="en-US" dirty="0"/>
+              <a:t>计划中的两组线</a:t>
+            </a:r>
+            <a:r>
+              <a:rPr lang="en-US" altLang="zh-CN" dirty="0"/>
+              <a:t>(u1,v1)(u2,v2)  </a:t>
+            </a:r>
+          </a:p>
+          <a:p>
+            <a:pPr lvl="1"/>
+            <a:r>
+              <a:rPr lang="zh-CN" altLang="en-US" dirty="0"/>
+              <a:t>上面</a:t>
+            </a:r>
+            <a:r>
+              <a:rPr lang="en-US" altLang="zh-CN" dirty="0"/>
+              <a:t>lemma</a:t>
+            </a:r>
+            <a:r>
+              <a:rPr lang="zh-CN" altLang="en-US"/>
+              <a:t>是论点的意思，下面就是证明，证明思路就是我讲的这个意思。</a:t>
+            </a:r>
+            <a:endParaRPr lang="en-US" altLang="zh-CN" dirty="0"/>
+          </a:p>
+          <a:p>
+            <a:endParaRPr lang="zh-CN" altLang="en-US" dirty="0"/>
+          </a:p>
+        </p:txBody>
+      </p:sp>
+    </p:spTree>
+    <p:extLst>
+      <p:ext uri="{BB962C8B-B14F-4D97-AF65-F5344CB8AC3E}">
+        <p14:creationId xmlns:p14="http://schemas.microsoft.com/office/powerpoint/2010/main" val="2435193937"/>
+      </p:ext>
+    </p:extLst>
+  </p:cSld>
+  <p:clrMapOvr>
+    <a:masterClrMapping/>
+  </p:clrMapOvr>
+</p:sld>
+</file>
+
+<file path=ppt/slides/slide5.xml><?xml version="1.0" encoding="utf-8"?>
+<p:sld xmlns:a="http://schemas.openxmlformats.org/drawingml/2006/main" xmlns:r="http://schemas.openxmlformats.org/officeDocument/2006/relationships" xmlns:p="http://schemas.openxmlformats.org/presentationml/2006/main">
+  <p:cSld>
+    <p:spTree>
+      <p:nvGrpSpPr>
+        <p:cNvPr id="1" name=""/>
+        <p:cNvGrpSpPr/>
+        <p:nvPr/>
+      </p:nvGrpSpPr>
+      <p:grpSpPr>
+        <a:xfrm>
+          <a:off x="0" y="0"/>
+          <a:ext cx="0" cy="0"/>
+          <a:chOff x="0" y="0"/>
+          <a:chExt cx="0" cy="0"/>
+        </a:xfrm>
+      </p:grpSpPr>
+      <p:sp>
+        <p:nvSpPr>
+          <p:cNvPr id="2" name="标题 1">
+            <a:extLst>
+              <a:ext uri="{FF2B5EF4-FFF2-40B4-BE49-F238E27FC236}">
+                <a16:creationId xmlns:a16="http://schemas.microsoft.com/office/drawing/2014/main" id="{5EFE12FE-58F5-3C56-EB21-E31C1EAFEFD9}"/>
+              </a:ext>
+            </a:extLst>
+          </p:cNvPr>
+          <p:cNvSpPr>
+            <a:spLocks noGrp="1"/>
+          </p:cNvSpPr>
+          <p:nvPr>
+            <p:ph type="title"/>
+          </p:nvPr>
+        </p:nvSpPr>
+        <p:spPr/>
+        <p:txBody>
+          <a:bodyPr/>
+          <a:lstStyle/>
+          <a:p>
+            <a:endParaRPr lang="zh-CN" altLang="en-US"/>
+          </a:p>
+        </p:txBody>
+      </p:sp>
+      <p:sp>
+        <p:nvSpPr>
+          <p:cNvPr id="3" name="内容占位符 2">
+            <a:extLst>
+              <a:ext uri="{FF2B5EF4-FFF2-40B4-BE49-F238E27FC236}">
+                <a16:creationId xmlns:a16="http://schemas.microsoft.com/office/drawing/2014/main" id="{B5EC103F-4F1D-9179-8432-F56B933026B7}"/>
+              </a:ext>
+            </a:extLst>
+          </p:cNvPr>
+          <p:cNvSpPr>
+            <a:spLocks noGrp="1"/>
+          </p:cNvSpPr>
+          <p:nvPr>
+            <p:ph idx="1"/>
+          </p:nvPr>
+        </p:nvSpPr>
+        <p:spPr/>
+        <p:txBody>
+          <a:bodyPr/>
+          <a:lstStyle/>
+          <a:p>
+            <a:r>
+              <a:rPr lang="zh-CN" altLang="en-US" dirty="0"/>
+              <a:t>接下来看不懂了，</a:t>
+            </a:r>
+            <a:endParaRPr lang="en-US" altLang="zh-CN" dirty="0"/>
+          </a:p>
+          <a:p>
+            <a:r>
+              <a:rPr lang="en-US" altLang="zh-CN" dirty="0"/>
+              <a:t>bipartite matching</a:t>
+            </a:r>
+            <a:r>
+              <a:rPr lang="zh-CN" altLang="en-US" dirty="0"/>
+              <a:t>二分图匹配</a:t>
+            </a:r>
+            <a:r>
+              <a:rPr lang="en-US" altLang="zh-CN" dirty="0"/>
+              <a:t>-CSDN</a:t>
+            </a:r>
+            <a:r>
+              <a:rPr lang="zh-CN" altLang="en-US" dirty="0"/>
+              <a:t>博客</a:t>
+            </a:r>
+            <a:r>
+              <a:rPr lang="en-US" altLang="zh-CN" dirty="0"/>
+              <a:t>.pdf</a:t>
+            </a:r>
+            <a:r>
+              <a:rPr lang="zh-CN" altLang="en-US" dirty="0"/>
+              <a:t>或者</a:t>
+            </a:r>
+            <a:r>
+              <a:rPr lang="en-US" altLang="zh-CN" dirty="0">
+                <a:hlinkClick r:id="rId2"/>
+              </a:rPr>
+              <a:t>bipartite matching</a:t>
+            </a:r>
+            <a:r>
+              <a:rPr lang="zh-CN" altLang="en-US" dirty="0">
+                <a:hlinkClick r:id="rId2"/>
+              </a:rPr>
+              <a:t>二分图匹配</a:t>
+            </a:r>
+            <a:r>
+              <a:rPr lang="en-US" altLang="zh-CN" dirty="0">
+                <a:hlinkClick r:id="rId2"/>
+              </a:rPr>
+              <a:t>-CSDN</a:t>
+            </a:r>
+            <a:r>
+              <a:rPr lang="zh-CN" altLang="en-US" dirty="0">
+                <a:hlinkClick r:id="rId2"/>
+              </a:rPr>
+              <a:t>博客</a:t>
+            </a:r>
+            <a:endParaRPr lang="en-US" altLang="zh-CN" dirty="0"/>
+          </a:p>
+          <a:p>
+            <a:pPr lvl="1"/>
+            <a:r>
+              <a:rPr lang="zh-CN" altLang="en-US" dirty="0"/>
+              <a:t>什么叫二分图</a:t>
+            </a:r>
+            <a:r>
+              <a:rPr lang="en-US" altLang="zh-CN" dirty="0"/>
+              <a:t>bipartite</a:t>
+            </a:r>
+            <a:r>
+              <a:rPr lang="zh-CN" altLang="en-US" dirty="0"/>
+              <a:t>，什么叫匹配</a:t>
+            </a:r>
+            <a:r>
+              <a:rPr lang="en-US" altLang="zh-CN" dirty="0"/>
+              <a:t>matching</a:t>
+            </a:r>
+          </a:p>
+          <a:p>
+            <a:endParaRPr lang="en-US" altLang="zh-CN" dirty="0"/>
+          </a:p>
+        </p:txBody>
+      </p:sp>
+    </p:spTree>
+    <p:extLst>
+      <p:ext uri="{BB962C8B-B14F-4D97-AF65-F5344CB8AC3E}">
+        <p14:creationId xmlns:p14="http://schemas.microsoft.com/office/powerpoint/2010/main" val="4169233244"/>
+      </p:ext>
+    </p:extLst>
+  </p:cSld>
+  <p:clrMapOvr>
+    <a:masterClrMapping/>
+  </p:clrMapOvr>
+</p:sld>
+</file>
+
 <file path=ppt/theme/theme1.xml><?xml version="1.0" encoding="utf-8"?>
 <a:theme xmlns:a="http://schemas.openxmlformats.org/drawingml/2006/main" name="Office 主题​​">
   <a:themeElements>
